--- a/2.pptx
+++ b/2.pptx
@@ -106,7 +106,41 @@
       </a:defRPr>
     </a:lvl9pPr>
   </p:defaultTextStyle>
+  <p:extLst>
+    <p:ext uri="{EFAFB233-063F-42B5-8137-9DF3F51BA10A}">
+      <p15:sldGuideLst xmlns:p15="http://schemas.microsoft.com/office/powerpoint/2012/main"/>
+    </p:ext>
+  </p:extLst>
 </p:presentation>
+</file>
+
+<file path=ppt/changesInfos/changesInfo1.xml><?xml version="1.0" encoding="utf-8"?>
+<pc:chgInfo xmlns:a="http://schemas.openxmlformats.org/drawingml/2006/main" xmlns:r="http://schemas.openxmlformats.org/officeDocument/2006/relationships" xmlns:ac="http://schemas.microsoft.com/office/drawing/2013/main/command" xmlns:pc="http://schemas.microsoft.com/office/powerpoint/2013/main/command">
+  <pc:docChgLst>
+    <pc:chgData name="致汎 郭" userId="704077e5706ada2f" providerId="LiveId" clId="{2A41674C-A394-4998-B959-779F9507D7E6}"/>
+    <pc:docChg chg="custSel modSld">
+      <pc:chgData name="致汎 郭" userId="704077e5706ada2f" providerId="LiveId" clId="{2A41674C-A394-4998-B959-779F9507D7E6}" dt="2022-06-23T06:13:30.784" v="0" actId="21"/>
+      <pc:docMkLst>
+        <pc:docMk/>
+      </pc:docMkLst>
+      <pc:sldChg chg="delSp mod">
+        <pc:chgData name="致汎 郭" userId="704077e5706ada2f" providerId="LiveId" clId="{2A41674C-A394-4998-B959-779F9507D7E6}" dt="2022-06-23T06:13:30.784" v="0" actId="21"/>
+        <pc:sldMkLst>
+          <pc:docMk/>
+          <pc:sldMk cId="2463617956" sldId="258"/>
+        </pc:sldMkLst>
+        <pc:spChg chg="del">
+          <ac:chgData name="致汎 郭" userId="704077e5706ada2f" providerId="LiveId" clId="{2A41674C-A394-4998-B959-779F9507D7E6}" dt="2022-06-23T06:13:30.784" v="0" actId="21"/>
+          <ac:spMkLst>
+            <pc:docMk/>
+            <pc:sldMk cId="2463617956" sldId="258"/>
+            <ac:spMk id="7" creationId="{9769C9D8-C974-D659-FD44-C420AA55C2ED}"/>
+          </ac:spMkLst>
+        </pc:spChg>
+      </pc:sldChg>
+    </pc:docChg>
+  </pc:docChgLst>
+</pc:chgInfo>
 </file>
 
 <file path=ppt/slideLayouts/slideLayout1.xml><?xml version="1.0" encoding="utf-8"?>
@@ -256,7 +290,7 @@
           <a:p>
             <a:fld id="{89F92873-1848-4A7D-A867-70E41F04A608}" type="datetimeFigureOut">
               <a:rPr lang="zh-TW" altLang="en-US" smtClean="0"/>
-              <a:t>2022/5/25</a:t>
+              <a:t>2022/6/23</a:t>
             </a:fld>
             <a:endParaRPr lang="zh-TW" altLang="en-US"/>
           </a:p>
@@ -454,7 +488,7 @@
           <a:p>
             <a:fld id="{89F92873-1848-4A7D-A867-70E41F04A608}" type="datetimeFigureOut">
               <a:rPr lang="zh-TW" altLang="en-US" smtClean="0"/>
-              <a:t>2022/5/25</a:t>
+              <a:t>2022/6/23</a:t>
             </a:fld>
             <a:endParaRPr lang="zh-TW" altLang="en-US"/>
           </a:p>
@@ -662,7 +696,7 @@
           <a:p>
             <a:fld id="{89F92873-1848-4A7D-A867-70E41F04A608}" type="datetimeFigureOut">
               <a:rPr lang="zh-TW" altLang="en-US" smtClean="0"/>
-              <a:t>2022/5/25</a:t>
+              <a:t>2022/6/23</a:t>
             </a:fld>
             <a:endParaRPr lang="zh-TW" altLang="en-US"/>
           </a:p>
@@ -860,7 +894,7 @@
           <a:p>
             <a:fld id="{89F92873-1848-4A7D-A867-70E41F04A608}" type="datetimeFigureOut">
               <a:rPr lang="zh-TW" altLang="en-US" smtClean="0"/>
-              <a:t>2022/5/25</a:t>
+              <a:t>2022/6/23</a:t>
             </a:fld>
             <a:endParaRPr lang="zh-TW" altLang="en-US"/>
           </a:p>
@@ -1135,7 +1169,7 @@
           <a:p>
             <a:fld id="{89F92873-1848-4A7D-A867-70E41F04A608}" type="datetimeFigureOut">
               <a:rPr lang="zh-TW" altLang="en-US" smtClean="0"/>
-              <a:t>2022/5/25</a:t>
+              <a:t>2022/6/23</a:t>
             </a:fld>
             <a:endParaRPr lang="zh-TW" altLang="en-US"/>
           </a:p>
@@ -1400,7 +1434,7 @@
           <a:p>
             <a:fld id="{89F92873-1848-4A7D-A867-70E41F04A608}" type="datetimeFigureOut">
               <a:rPr lang="zh-TW" altLang="en-US" smtClean="0"/>
-              <a:t>2022/5/25</a:t>
+              <a:t>2022/6/23</a:t>
             </a:fld>
             <a:endParaRPr lang="zh-TW" altLang="en-US"/>
           </a:p>
@@ -1812,7 +1846,7 @@
           <a:p>
             <a:fld id="{89F92873-1848-4A7D-A867-70E41F04A608}" type="datetimeFigureOut">
               <a:rPr lang="zh-TW" altLang="en-US" smtClean="0"/>
-              <a:t>2022/5/25</a:t>
+              <a:t>2022/6/23</a:t>
             </a:fld>
             <a:endParaRPr lang="zh-TW" altLang="en-US"/>
           </a:p>
@@ -1953,7 +1987,7 @@
           <a:p>
             <a:fld id="{89F92873-1848-4A7D-A867-70E41F04A608}" type="datetimeFigureOut">
               <a:rPr lang="zh-TW" altLang="en-US" smtClean="0"/>
-              <a:t>2022/5/25</a:t>
+              <a:t>2022/6/23</a:t>
             </a:fld>
             <a:endParaRPr lang="zh-TW" altLang="en-US"/>
           </a:p>
@@ -2066,7 +2100,7 @@
           <a:p>
             <a:fld id="{89F92873-1848-4A7D-A867-70E41F04A608}" type="datetimeFigureOut">
               <a:rPr lang="zh-TW" altLang="en-US" smtClean="0"/>
-              <a:t>2022/5/25</a:t>
+              <a:t>2022/6/23</a:t>
             </a:fld>
             <a:endParaRPr lang="zh-TW" altLang="en-US"/>
           </a:p>
@@ -2377,7 +2411,7 @@
           <a:p>
             <a:fld id="{89F92873-1848-4A7D-A867-70E41F04A608}" type="datetimeFigureOut">
               <a:rPr lang="zh-TW" altLang="en-US" smtClean="0"/>
-              <a:t>2022/5/25</a:t>
+              <a:t>2022/6/23</a:t>
             </a:fld>
             <a:endParaRPr lang="zh-TW" altLang="en-US"/>
           </a:p>
@@ -2665,7 +2699,7 @@
           <a:p>
             <a:fld id="{89F92873-1848-4A7D-A867-70E41F04A608}" type="datetimeFigureOut">
               <a:rPr lang="zh-TW" altLang="en-US" smtClean="0"/>
-              <a:t>2022/5/25</a:t>
+              <a:t>2022/6/23</a:t>
             </a:fld>
             <a:endParaRPr lang="zh-TW" altLang="en-US"/>
           </a:p>
@@ -2906,7 +2940,7 @@
           <a:p>
             <a:fld id="{89F92873-1848-4A7D-A867-70E41F04A608}" type="datetimeFigureOut">
               <a:rPr lang="zh-TW" altLang="en-US" smtClean="0"/>
-              <a:t>2022/5/25</a:t>
+              <a:t>2022/6/23</a:t>
             </a:fld>
             <a:endParaRPr lang="zh-TW" altLang="en-US"/>
           </a:p>
@@ -4559,31 +4593,6 @@
           </a:graphicData>
         </a:graphic>
       </p:graphicFrame>
-      <p:sp>
-        <p:nvSpPr>
-          <p:cNvPr id="7" name="內容版面配置區 6">
-            <a:extLst>
-              <a:ext uri="{FF2B5EF4-FFF2-40B4-BE49-F238E27FC236}">
-                <a16:creationId xmlns:a16="http://schemas.microsoft.com/office/drawing/2014/main" id="{9769C9D8-C974-D659-FD44-C420AA55C2ED}"/>
-              </a:ext>
-            </a:extLst>
-          </p:cNvPr>
-          <p:cNvSpPr>
-            <a:spLocks noGrp="1"/>
-          </p:cNvSpPr>
-          <p:nvPr>
-            <p:ph idx="1"/>
-          </p:nvPr>
-        </p:nvSpPr>
-        <p:spPr/>
-        <p:txBody>
-          <a:bodyPr/>
-          <a:lstStyle/>
-          <a:p>
-            <a:endParaRPr lang="zh-TW" altLang="en-US" dirty="0"/>
-          </a:p>
-        </p:txBody>
-      </p:sp>
     </p:spTree>
     <p:extLst>
       <p:ext uri="{BB962C8B-B14F-4D97-AF65-F5344CB8AC3E}">
